--- a/성적관리 정민강.pptx
+++ b/성적관리 정민강.pptx
@@ -17308,7 +17308,7 @@
         </p:nvGrpSpPr>
         <p:grpSpPr>
           <a:xfrm>
-            <a:off x="3151374" y="1766930"/>
+            <a:off x="3101385" y="1817543"/>
             <a:ext cx="1388419" cy="339700"/>
             <a:chOff x="6623997" y="3956168"/>
             <a:chExt cx="1648366" cy="738665"/>
@@ -17390,9 +17390,7 @@
             </a:prstGeom>
             <a:noFill/>
             <a:ln>
-              <a:solidFill>
-                <a:schemeClr val="bg1"/>
-              </a:solidFill>
+              <a:noFill/>
             </a:ln>
           </p:spPr>
           <p:txBody>
@@ -17433,10 +17431,10 @@
         </p:nvGrpSpPr>
         <p:grpSpPr>
           <a:xfrm>
-            <a:off x="3151374" y="3451664"/>
-            <a:ext cx="1351474" cy="339700"/>
-            <a:chOff x="6623997" y="3956168"/>
-            <a:chExt cx="1648366" cy="738665"/>
+            <a:off x="3151375" y="3451664"/>
+            <a:ext cx="1351475" cy="339700"/>
+            <a:chOff x="6623998" y="3956168"/>
+            <a:chExt cx="1648367" cy="738665"/>
           </a:xfrm>
         </p:grpSpPr>
         <p:sp>
@@ -17453,8 +17451,8 @@
           </p:nvSpPr>
           <p:spPr>
             <a:xfrm>
-              <a:off x="6700875" y="3956168"/>
-              <a:ext cx="1571488" cy="738665"/>
+              <a:off x="6700876" y="3956168"/>
+              <a:ext cx="1571489" cy="738665"/>
             </a:xfrm>
             <a:prstGeom prst="rect">
               <a:avLst/>
@@ -17507,7 +17505,7 @@
           </p:nvSpPr>
           <p:spPr>
             <a:xfrm>
-              <a:off x="6623997" y="3957814"/>
+              <a:off x="6623998" y="3957814"/>
               <a:ext cx="1571487" cy="669250"/>
             </a:xfrm>
             <a:prstGeom prst="rect">
@@ -17515,9 +17513,7 @@
             </a:prstGeom>
             <a:noFill/>
             <a:ln>
-              <a:solidFill>
-                <a:schemeClr val="bg1"/>
-              </a:solidFill>
+              <a:noFill/>
             </a:ln>
           </p:spPr>
           <p:txBody>
@@ -17651,9 +17647,7 @@
             </a:prstGeom>
             <a:noFill/>
             <a:ln>
-              <a:solidFill>
-                <a:schemeClr val="bg1"/>
-              </a:solidFill>
+              <a:noFill/>
             </a:ln>
           </p:spPr>
           <p:txBody>
@@ -17722,132 +17716,7 @@
   <p:timing>
     <p:tnLst>
       <p:par>
-        <p:cTn id="1" dur="indefinite" restart="never" nodeType="tmRoot">
-          <p:childTnLst>
-            <p:seq concurrent="1" nextAc="seek">
-              <p:cTn id="2" dur="indefinite" nodeType="mainSeq">
-                <p:childTnLst>
-                  <p:par>
-                    <p:cTn id="3" fill="hold">
-                      <p:stCondLst>
-                        <p:cond delay="indefinite"/>
-                        <p:cond evt="onBegin" delay="0">
-                          <p:tn val="2"/>
-                        </p:cond>
-                      </p:stCondLst>
-                      <p:childTnLst>
-                        <p:par>
-                          <p:cTn id="4" fill="hold">
-                            <p:stCondLst>
-                              <p:cond delay="0"/>
-                            </p:stCondLst>
-                            <p:childTnLst>
-                              <p:par>
-                                <p:cTn id="5" presetID="1" presetClass="entr" presetSubtype="0" fill="hold" nodeType="withEffect">
-                                  <p:stCondLst>
-                                    <p:cond delay="0"/>
-                                  </p:stCondLst>
-                                  <p:childTnLst>
-                                    <p:set>
-                                      <p:cBhvr>
-                                        <p:cTn id="6" dur="1" fill="hold">
-                                          <p:stCondLst>
-                                            <p:cond delay="0"/>
-                                          </p:stCondLst>
-                                        </p:cTn>
-                                        <p:tgtEl>
-                                          <p:spTgt spid="10"/>
-                                        </p:tgtEl>
-                                        <p:attrNameLst>
-                                          <p:attrName>style.visibility</p:attrName>
-                                        </p:attrNameLst>
-                                      </p:cBhvr>
-                                      <p:to>
-                                        <p:strVal val="visible"/>
-                                      </p:to>
-                                    </p:set>
-                                  </p:childTnLst>
-                                </p:cTn>
-                              </p:par>
-                              <p:par>
-                                <p:cTn id="7" presetID="1" presetClass="entr" presetSubtype="0" fill="hold" nodeType="withEffect">
-                                  <p:stCondLst>
-                                    <p:cond delay="0"/>
-                                  </p:stCondLst>
-                                  <p:childTnLst>
-                                    <p:set>
-                                      <p:cBhvr>
-                                        <p:cTn id="8" dur="1" fill="hold">
-                                          <p:stCondLst>
-                                            <p:cond delay="0"/>
-                                          </p:stCondLst>
-                                        </p:cTn>
-                                        <p:tgtEl>
-                                          <p:spTgt spid="15"/>
-                                        </p:tgtEl>
-                                        <p:attrNameLst>
-                                          <p:attrName>style.visibility</p:attrName>
-                                        </p:attrNameLst>
-                                      </p:cBhvr>
-                                      <p:to>
-                                        <p:strVal val="visible"/>
-                                      </p:to>
-                                    </p:set>
-                                  </p:childTnLst>
-                                </p:cTn>
-                              </p:par>
-                              <p:par>
-                                <p:cTn id="9" presetID="1" presetClass="entr" presetSubtype="0" fill="hold" nodeType="withEffect">
-                                  <p:stCondLst>
-                                    <p:cond delay="0"/>
-                                  </p:stCondLst>
-                                  <p:childTnLst>
-                                    <p:set>
-                                      <p:cBhvr>
-                                        <p:cTn id="10" dur="1" fill="hold">
-                                          <p:stCondLst>
-                                            <p:cond delay="0"/>
-                                          </p:stCondLst>
-                                        </p:cTn>
-                                        <p:tgtEl>
-                                          <p:spTgt spid="18"/>
-                                        </p:tgtEl>
-                                        <p:attrNameLst>
-                                          <p:attrName>style.visibility</p:attrName>
-                                        </p:attrNameLst>
-                                      </p:cBhvr>
-                                      <p:to>
-                                        <p:strVal val="visible"/>
-                                      </p:to>
-                                    </p:set>
-                                  </p:childTnLst>
-                                </p:cTn>
-                              </p:par>
-                            </p:childTnLst>
-                          </p:cTn>
-                        </p:par>
-                      </p:childTnLst>
-                    </p:cTn>
-                  </p:par>
-                </p:childTnLst>
-              </p:cTn>
-              <p:prevCondLst>
-                <p:cond evt="onPrev" delay="0">
-                  <p:tgtEl>
-                    <p:sldTgt/>
-                  </p:tgtEl>
-                </p:cond>
-              </p:prevCondLst>
-              <p:nextCondLst>
-                <p:cond evt="onNext" delay="0">
-                  <p:tgtEl>
-                    <p:sldTgt/>
-                  </p:tgtEl>
-                </p:cond>
-              </p:nextCondLst>
-            </p:seq>
-          </p:childTnLst>
-        </p:cTn>
+        <p:cTn id="1" dur="indefinite" restart="never" nodeType="tmRoot"/>
       </p:par>
     </p:tnLst>
   </p:timing>

--- a/성적관리 정민강.pptx
+++ b/성적관리 정민강.pptx
@@ -7088,7 +7088,7 @@
                 <a:ea typeface="나눔바른고딕 UltraLight" panose="020B0603020101020101" pitchFamily="50" charset="-127"/>
                 <a:cs typeface="Arial" panose="020B0604020202020204" pitchFamily="34" charset="0"/>
               </a:rPr>
-              <a:t>학생성적입력 화면 </a:t>
+              <a:t>학생정보관리 화면 </a:t>
             </a:r>
             <a:r>
               <a:rPr lang="en-US" altLang="ko-KR" sz="2500" dirty="0" smtClean="0">
@@ -7980,6 +7980,17 @@
               <a:t>- </a:t>
             </a:r>
             <a:r>
+              <a:rPr lang="ko-KR" altLang="en-US" sz="2500" dirty="0">
+                <a:solidFill>
+                  <a:srgbClr val="002060"/>
+                </a:solidFill>
+                <a:latin typeface="나눔바른고딕 UltraLight" panose="020B0603020101020101" pitchFamily="50" charset="-127"/>
+                <a:ea typeface="나눔바른고딕 UltraLight" panose="020B0603020101020101" pitchFamily="50" charset="-127"/>
+                <a:cs typeface="Arial" panose="020B0604020202020204" pitchFamily="34" charset="0"/>
+              </a:rPr>
+              <a:t>학생정보관리 </a:t>
+            </a:r>
+            <a:r>
               <a:rPr lang="ko-KR" altLang="en-US" sz="2500" dirty="0" smtClean="0">
                 <a:solidFill>
                   <a:srgbClr val="002060"/>
@@ -7988,7 +7999,7 @@
                 <a:ea typeface="나눔바른고딕 UltraLight" panose="020B0603020101020101" pitchFamily="50" charset="-127"/>
                 <a:cs typeface="Arial" panose="020B0604020202020204" pitchFamily="34" charset="0"/>
               </a:rPr>
-              <a:t>학생성적입력 화면 </a:t>
+              <a:t>화면 </a:t>
             </a:r>
             <a:r>
               <a:rPr lang="en-US" altLang="ko-KR" sz="2500" dirty="0" smtClean="0">
@@ -8797,6 +8808,17 @@
               <a:t>- </a:t>
             </a:r>
             <a:r>
+              <a:rPr lang="ko-KR" altLang="en-US" sz="2500" dirty="0">
+                <a:solidFill>
+                  <a:srgbClr val="002060"/>
+                </a:solidFill>
+                <a:latin typeface="나눔바른고딕 UltraLight" panose="020B0603020101020101" pitchFamily="50" charset="-127"/>
+                <a:ea typeface="나눔바른고딕 UltraLight" panose="020B0603020101020101" pitchFamily="50" charset="-127"/>
+                <a:cs typeface="Arial" panose="020B0604020202020204" pitchFamily="34" charset="0"/>
+              </a:rPr>
+              <a:t>학생정보관리 </a:t>
+            </a:r>
+            <a:r>
               <a:rPr lang="ko-KR" altLang="en-US" sz="2500" dirty="0" smtClean="0">
                 <a:solidFill>
                   <a:srgbClr val="002060"/>
@@ -8805,7 +8827,7 @@
                 <a:ea typeface="나눔바른고딕 UltraLight" panose="020B0603020101020101" pitchFamily="50" charset="-127"/>
                 <a:cs typeface="Arial" panose="020B0604020202020204" pitchFamily="34" charset="0"/>
               </a:rPr>
-              <a:t>학생성적입력 화면 </a:t>
+              <a:t>화면 </a:t>
             </a:r>
             <a:r>
               <a:rPr lang="en-US" altLang="ko-KR" sz="2500" dirty="0" smtClean="0">
@@ -9508,6 +9530,17 @@
               <a:t>- </a:t>
             </a:r>
             <a:r>
+              <a:rPr lang="ko-KR" altLang="en-US" sz="2500" dirty="0">
+                <a:solidFill>
+                  <a:srgbClr val="002060"/>
+                </a:solidFill>
+                <a:latin typeface="나눔바른고딕 UltraLight" panose="020B0603020101020101" pitchFamily="50" charset="-127"/>
+                <a:ea typeface="나눔바른고딕 UltraLight" panose="020B0603020101020101" pitchFamily="50" charset="-127"/>
+                <a:cs typeface="Arial" panose="020B0604020202020204" pitchFamily="34" charset="0"/>
+              </a:rPr>
+              <a:t>학생정보관리 </a:t>
+            </a:r>
+            <a:r>
               <a:rPr lang="ko-KR" altLang="en-US" sz="2500" dirty="0" smtClean="0">
                 <a:solidFill>
                   <a:srgbClr val="002060"/>
@@ -9516,7 +9549,7 @@
                 <a:ea typeface="나눔바른고딕 UltraLight" panose="020B0603020101020101" pitchFamily="50" charset="-127"/>
                 <a:cs typeface="Arial" panose="020B0604020202020204" pitchFamily="34" charset="0"/>
               </a:rPr>
-              <a:t>학생성적입력 화면 </a:t>
+              <a:t>화면 </a:t>
             </a:r>
             <a:r>
               <a:rPr lang="en-US" altLang="ko-KR" sz="2500" dirty="0" smtClean="0">
@@ -10266,6 +10299,17 @@
               <a:t>- </a:t>
             </a:r>
             <a:r>
+              <a:rPr lang="ko-KR" altLang="en-US" sz="2500" dirty="0">
+                <a:solidFill>
+                  <a:srgbClr val="002060"/>
+                </a:solidFill>
+                <a:latin typeface="나눔바른고딕 UltraLight" panose="020B0603020101020101" pitchFamily="50" charset="-127"/>
+                <a:ea typeface="나눔바른고딕 UltraLight" panose="020B0603020101020101" pitchFamily="50" charset="-127"/>
+                <a:cs typeface="Arial" panose="020B0604020202020204" pitchFamily="34" charset="0"/>
+              </a:rPr>
+              <a:t>학생정보관리 </a:t>
+            </a:r>
+            <a:r>
               <a:rPr lang="ko-KR" altLang="en-US" sz="2500" dirty="0" smtClean="0">
                 <a:solidFill>
                   <a:srgbClr val="002060"/>
@@ -10274,7 +10318,7 @@
                 <a:ea typeface="나눔바른고딕 UltraLight" panose="020B0603020101020101" pitchFamily="50" charset="-127"/>
                 <a:cs typeface="Arial" panose="020B0604020202020204" pitchFamily="34" charset="0"/>
               </a:rPr>
-              <a:t>학생성적입력 화면 </a:t>
+              <a:t>화면 </a:t>
             </a:r>
             <a:r>
               <a:rPr lang="en-US" altLang="ko-KR" sz="2500" dirty="0" smtClean="0">
@@ -10717,6 +10761,17 @@
               <a:t>- </a:t>
             </a:r>
             <a:r>
+              <a:rPr lang="ko-KR" altLang="en-US" sz="2500" dirty="0">
+                <a:solidFill>
+                  <a:srgbClr val="002060"/>
+                </a:solidFill>
+                <a:latin typeface="나눔바른고딕 UltraLight" panose="020B0603020101020101" pitchFamily="50" charset="-127"/>
+                <a:ea typeface="나눔바른고딕 UltraLight" panose="020B0603020101020101" pitchFamily="50" charset="-127"/>
+                <a:cs typeface="Arial" panose="020B0604020202020204" pitchFamily="34" charset="0"/>
+              </a:rPr>
+              <a:t>학생정보관리 </a:t>
+            </a:r>
+            <a:r>
               <a:rPr lang="ko-KR" altLang="en-US" sz="2500" dirty="0" smtClean="0">
                 <a:solidFill>
                   <a:srgbClr val="002060"/>
@@ -10725,7 +10780,7 @@
                 <a:ea typeface="나눔바른고딕 UltraLight" panose="020B0603020101020101" pitchFamily="50" charset="-127"/>
                 <a:cs typeface="Arial" panose="020B0604020202020204" pitchFamily="34" charset="0"/>
               </a:rPr>
-              <a:t>학생성적입력 화면 </a:t>
+              <a:t>화면 </a:t>
             </a:r>
             <a:r>
               <a:rPr lang="en-US" altLang="ko-KR" sz="2500" dirty="0" smtClean="0">
@@ -15800,7 +15855,7 @@
               <a:t>- </a:t>
             </a:r>
             <a:r>
-              <a:rPr lang="ko-KR" altLang="en-US" sz="2500" dirty="0" err="1" smtClean="0">
+              <a:rPr lang="ko-KR" altLang="en-US" sz="2500" dirty="0" smtClean="0">
                 <a:solidFill>
                   <a:srgbClr val="002060"/>
                 </a:solidFill>
@@ -15808,18 +15863,7 @@
                 <a:ea typeface="나눔바른고딕 UltraLight" panose="020B0603020101020101" pitchFamily="50" charset="-127"/>
                 <a:cs typeface="Arial" panose="020B0604020202020204" pitchFamily="34" charset="0"/>
               </a:rPr>
-              <a:t>분반별</a:t>
-            </a:r>
-            <a:r>
-              <a:rPr lang="ko-KR" altLang="en-US" sz="2500" dirty="0" err="1" smtClean="0">
-                <a:solidFill>
-                  <a:srgbClr val="002060"/>
-                </a:solidFill>
-                <a:latin typeface="나눔바른고딕 UltraLight" panose="020B0603020101020101" pitchFamily="50" charset="-127"/>
-                <a:ea typeface="나눔바른고딕 UltraLight" panose="020B0603020101020101" pitchFamily="50" charset="-127"/>
-                <a:cs typeface="Arial" panose="020B0604020202020204" pitchFamily="34" charset="0"/>
-              </a:rPr>
-              <a:t>성적확인</a:t>
+              <a:t>전체성적확인</a:t>
             </a:r>
             <a:r>
               <a:rPr lang="ko-KR" altLang="en-US" sz="2500" dirty="0" smtClean="0">

--- a/성적관리 정민강.pptx
+++ b/성적관리 정민강.pptx
@@ -19520,8 +19520,8 @@
         </p:nvSpPr>
         <p:spPr>
           <a:xfrm>
-            <a:off x="8763000" y="3424536"/>
-            <a:ext cx="2169184" cy="523220"/>
+            <a:off x="8655250" y="3424536"/>
+            <a:ext cx="2871299" cy="523220"/>
           </a:xfrm>
           <a:prstGeom prst="rect">
             <a:avLst/>
@@ -19543,7 +19543,18 @@
                   </a:schemeClr>
                 </a:solidFill>
               </a:rPr>
-              <a:t>프로젝트 소개</a:t>
+              <a:t>프로젝트 </a:t>
+            </a:r>
+            <a:r>
+              <a:rPr lang="ko-KR" altLang="en-US" sz="2800" spc="-300" dirty="0" smtClean="0">
+                <a:solidFill>
+                  <a:schemeClr val="accent6">
+                    <a:lumMod val="40000"/>
+                    <a:lumOff val="60000"/>
+                  </a:schemeClr>
+                </a:solidFill>
+              </a:rPr>
+              <a:t>설계 소개</a:t>
             </a:r>
             <a:endParaRPr lang="ko-KR" altLang="en-US" sz="2800" spc="-300" dirty="0">
               <a:solidFill>
